--- a/INFO 5100.pptx
+++ b/INFO 5100.pptx
@@ -303,6 +303,48 @@
 </p1510:revInfo>
 </file>
 
+<file path=ppt/changesInfos/changesInfo1.xml><?xml version="1.0" encoding="utf-8"?>
+<pc:chgInfo xmlns:a="http://schemas.openxmlformats.org/drawingml/2006/main" xmlns:r="http://schemas.openxmlformats.org/officeDocument/2006/relationships" xmlns:ac="http://schemas.microsoft.com/office/drawing/2013/main/command" xmlns:pc="http://schemas.microsoft.com/office/powerpoint/2013/main/command">
+  <pc:docChgLst>
+    <pc:chgData name="雨辰 周" userId="4c45c4d7fa3211d1" providerId="LiveId" clId="{6797B567-FEA7-4DC3-BA7B-FC5BF3B2D23E}"/>
+    <pc:docChg chg="modSld">
+      <pc:chgData name="雨辰 周" userId="4c45c4d7fa3211d1" providerId="LiveId" clId="{6797B567-FEA7-4DC3-BA7B-FC5BF3B2D23E}" dt="2023-12-13T01:41:32.475" v="11" actId="20577"/>
+      <pc:docMkLst>
+        <pc:docMk/>
+      </pc:docMkLst>
+      <pc:sldChg chg="modNotesTx">
+        <pc:chgData name="雨辰 周" userId="4c45c4d7fa3211d1" providerId="LiveId" clId="{6797B567-FEA7-4DC3-BA7B-FC5BF3B2D23E}" dt="2023-12-13T01:41:23.403" v="0" actId="20577"/>
+        <pc:sldMkLst>
+          <pc:docMk/>
+          <pc:sldMk cId="0" sldId="261"/>
+        </pc:sldMkLst>
+      </pc:sldChg>
+      <pc:sldChg chg="modNotesTx">
+        <pc:chgData name="雨辰 周" userId="4c45c4d7fa3211d1" providerId="LiveId" clId="{6797B567-FEA7-4DC3-BA7B-FC5BF3B2D23E}" dt="2023-12-13T01:41:27.154" v="9" actId="20577"/>
+        <pc:sldMkLst>
+          <pc:docMk/>
+          <pc:sldMk cId="0" sldId="262"/>
+        </pc:sldMkLst>
+      </pc:sldChg>
+      <pc:sldChg chg="modNotesTx">
+        <pc:chgData name="雨辰 周" userId="4c45c4d7fa3211d1" providerId="LiveId" clId="{6797B567-FEA7-4DC3-BA7B-FC5BF3B2D23E}" dt="2023-12-13T01:41:29.577" v="10" actId="20577"/>
+        <pc:sldMkLst>
+          <pc:docMk/>
+          <pc:sldMk cId="0" sldId="263"/>
+        </pc:sldMkLst>
+      </pc:sldChg>
+      <pc:sldChg chg="modNotesTx">
+        <pc:chgData name="雨辰 周" userId="4c45c4d7fa3211d1" providerId="LiveId" clId="{6797B567-FEA7-4DC3-BA7B-FC5BF3B2D23E}" dt="2023-12-13T01:41:32.475" v="11" actId="20577"/>
+        <pc:sldMkLst>
+          <pc:docMk/>
+          <pc:sldMk cId="0" sldId="264"/>
+        </pc:sldMkLst>
+      </pc:sldChg>
+    </pc:docChg>
+  </pc:docChgLst>
+</pc:chgInfo>
+</file>
+
 <file path=ppt/handoutMasters/handoutMaster1.xml><?xml version="1.0" encoding="utf-8"?>
 <p:handoutMaster xmlns:a="http://schemas.openxmlformats.org/drawingml/2006/main" xmlns:r="http://schemas.openxmlformats.org/officeDocument/2006/relationships" xmlns:p="http://schemas.openxmlformats.org/presentationml/2006/main">
   <p:cSld>
@@ -1091,434 +1133,9 @@
               <a:spcAft>
                 <a:spcPts val="0"/>
               </a:spcAft>
-              <a:buClr>
-                <a:schemeClr val="dk1"/>
-              </a:buClr>
-              <a:buSzPts val="1100"/>
-              <a:buFont typeface="Arial"/>
               <a:buNone/>
             </a:pPr>
-            <a:r>
-              <a:rPr lang="zh-CN"/>
-              <a:t>the three-layer structure of Spring MVC contributes to building clear, maintainable, and scalable web applications, enhancing code organization and testability.</a:t>
-            </a:r>
-            <a:endParaRPr/>
-          </a:p>
-          <a:p>
-            <a:pPr marL="0" lvl="0" indent="0" algn="l" rtl="0">
-              <a:spcBef>
-                <a:spcPts val="0"/>
-              </a:spcBef>
-              <a:spcAft>
-                <a:spcPts val="0"/>
-              </a:spcAft>
-              <a:buClr>
-                <a:schemeClr val="dk1"/>
-              </a:buClr>
-              <a:buSzPts val="1100"/>
-              <a:buFont typeface="Arial"/>
-              <a:buNone/>
-            </a:pPr>
-            <a:endParaRPr/>
-          </a:p>
-          <a:p>
-            <a:pPr marL="0" lvl="0" indent="0" algn="l" rtl="0">
-              <a:spcBef>
-                <a:spcPts val="0"/>
-              </a:spcBef>
-              <a:spcAft>
-                <a:spcPts val="0"/>
-              </a:spcAft>
-              <a:buClr>
-                <a:schemeClr val="dk1"/>
-              </a:buClr>
-              <a:buSzPts val="1100"/>
-              <a:buFont typeface="Arial"/>
-              <a:buNone/>
-            </a:pPr>
-            <a:r>
-              <a:rPr lang="zh-CN"/>
-              <a:t>Controller Layer:</a:t>
-            </a:r>
-            <a:endParaRPr/>
-          </a:p>
-          <a:p>
-            <a:pPr marL="0" lvl="0" indent="0" algn="l" rtl="0">
-              <a:spcBef>
-                <a:spcPts val="0"/>
-              </a:spcBef>
-              <a:spcAft>
-                <a:spcPts val="0"/>
-              </a:spcAft>
-              <a:buClr>
-                <a:schemeClr val="dk1"/>
-              </a:buClr>
-              <a:buSzPts val="1100"/>
-              <a:buFont typeface="Arial"/>
-              <a:buNone/>
-            </a:pPr>
-            <a:endParaRPr/>
-          </a:p>
-          <a:p>
-            <a:pPr marL="0" lvl="0" indent="0" algn="l" rtl="0">
-              <a:spcBef>
-                <a:spcPts val="0"/>
-              </a:spcBef>
-              <a:spcAft>
-                <a:spcPts val="0"/>
-              </a:spcAft>
-              <a:buClr>
-                <a:schemeClr val="dk1"/>
-              </a:buClr>
-              <a:buSzPts val="1100"/>
-              <a:buFont typeface="Arial"/>
-              <a:buNone/>
-            </a:pPr>
-            <a:r>
-              <a:rPr lang="zh-CN"/>
-              <a:t>Purpose:</a:t>
-            </a:r>
-            <a:endParaRPr/>
-          </a:p>
-          <a:p>
-            <a:pPr marL="0" lvl="0" indent="0" algn="l" rtl="0">
-              <a:spcBef>
-                <a:spcPts val="0"/>
-              </a:spcBef>
-              <a:spcAft>
-                <a:spcPts val="0"/>
-              </a:spcAft>
-              <a:buClr>
-                <a:schemeClr val="dk1"/>
-              </a:buClr>
-              <a:buSzPts val="1100"/>
-              <a:buFont typeface="Arial"/>
-              <a:buNone/>
-            </a:pPr>
-            <a:r>
-              <a:rPr lang="zh-CN"/>
-              <a:t>Handles user requests and input.</a:t>
-            </a:r>
-            <a:endParaRPr/>
-          </a:p>
-          <a:p>
-            <a:pPr marL="0" lvl="0" indent="0" algn="l" rtl="0">
-              <a:spcBef>
-                <a:spcPts val="0"/>
-              </a:spcBef>
-              <a:spcAft>
-                <a:spcPts val="0"/>
-              </a:spcAft>
-              <a:buClr>
-                <a:schemeClr val="dk1"/>
-              </a:buClr>
-              <a:buSzPts val="1100"/>
-              <a:buFont typeface="Arial"/>
-              <a:buNone/>
-            </a:pPr>
-            <a:r>
-              <a:rPr lang="zh-CN"/>
-              <a:t>Directs requests to the appropriate business logic (Service layer).</a:t>
-            </a:r>
-            <a:endParaRPr/>
-          </a:p>
-          <a:p>
-            <a:pPr marL="0" lvl="0" indent="0" algn="l" rtl="0">
-              <a:spcBef>
-                <a:spcPts val="0"/>
-              </a:spcBef>
-              <a:spcAft>
-                <a:spcPts val="0"/>
-              </a:spcAft>
-              <a:buClr>
-                <a:schemeClr val="dk1"/>
-              </a:buClr>
-              <a:buSzPts val="1100"/>
-              <a:buFont typeface="Arial"/>
-              <a:buNone/>
-            </a:pPr>
-            <a:r>
-              <a:rPr lang="zh-CN"/>
-              <a:t>Validates and processes request parameters.</a:t>
-            </a:r>
-            <a:endParaRPr/>
-          </a:p>
-          <a:p>
-            <a:pPr marL="0" lvl="0" indent="0" algn="l" rtl="0">
-              <a:spcBef>
-                <a:spcPts val="0"/>
-              </a:spcBef>
-              <a:spcAft>
-                <a:spcPts val="0"/>
-              </a:spcAft>
-              <a:buClr>
-                <a:schemeClr val="dk1"/>
-              </a:buClr>
-              <a:buSzPts val="1100"/>
-              <a:buFont typeface="Arial"/>
-              <a:buNone/>
-            </a:pPr>
-            <a:r>
-              <a:rPr lang="zh-CN"/>
-              <a:t>Returns the relevant view to the user.</a:t>
-            </a:r>
-            <a:endParaRPr/>
-          </a:p>
-          <a:p>
-            <a:pPr marL="0" lvl="0" indent="0" algn="l" rtl="0">
-              <a:spcBef>
-                <a:spcPts val="0"/>
-              </a:spcBef>
-              <a:spcAft>
-                <a:spcPts val="0"/>
-              </a:spcAft>
-              <a:buClr>
-                <a:schemeClr val="dk1"/>
-              </a:buClr>
-              <a:buSzPts val="1100"/>
-              <a:buFont typeface="Arial"/>
-              <a:buNone/>
-            </a:pPr>
-            <a:r>
-              <a:rPr lang="zh-CN"/>
-              <a:t>Service Layer:</a:t>
-            </a:r>
-            <a:endParaRPr/>
-          </a:p>
-          <a:p>
-            <a:pPr marL="0" lvl="0" indent="0" algn="l" rtl="0">
-              <a:spcBef>
-                <a:spcPts val="0"/>
-              </a:spcBef>
-              <a:spcAft>
-                <a:spcPts val="0"/>
-              </a:spcAft>
-              <a:buClr>
-                <a:schemeClr val="dk1"/>
-              </a:buClr>
-              <a:buSzPts val="1100"/>
-              <a:buFont typeface="Arial"/>
-              <a:buNone/>
-            </a:pPr>
-            <a:endParaRPr/>
-          </a:p>
-          <a:p>
-            <a:pPr marL="0" lvl="0" indent="0" algn="l" rtl="0">
-              <a:spcBef>
-                <a:spcPts val="0"/>
-              </a:spcBef>
-              <a:spcAft>
-                <a:spcPts val="0"/>
-              </a:spcAft>
-              <a:buClr>
-                <a:schemeClr val="dk1"/>
-              </a:buClr>
-              <a:buSzPts val="1100"/>
-              <a:buFont typeface="Arial"/>
-              <a:buNone/>
-            </a:pPr>
-            <a:r>
-              <a:rPr lang="zh-CN"/>
-              <a:t>Purpose:</a:t>
-            </a:r>
-            <a:endParaRPr/>
-          </a:p>
-          <a:p>
-            <a:pPr marL="0" lvl="0" indent="0" algn="l" rtl="0">
-              <a:spcBef>
-                <a:spcPts val="0"/>
-              </a:spcBef>
-              <a:spcAft>
-                <a:spcPts val="0"/>
-              </a:spcAft>
-              <a:buClr>
-                <a:schemeClr val="dk1"/>
-              </a:buClr>
-              <a:buSzPts val="1100"/>
-              <a:buFont typeface="Arial"/>
-              <a:buNone/>
-            </a:pPr>
-            <a:r>
-              <a:rPr lang="zh-CN"/>
-              <a:t>Houses the application's business logic.</a:t>
-            </a:r>
-            <a:endParaRPr/>
-          </a:p>
-          <a:p>
-            <a:pPr marL="0" lvl="0" indent="0" algn="l" rtl="0">
-              <a:spcBef>
-                <a:spcPts val="0"/>
-              </a:spcBef>
-              <a:spcAft>
-                <a:spcPts val="0"/>
-              </a:spcAft>
-              <a:buClr>
-                <a:schemeClr val="dk1"/>
-              </a:buClr>
-              <a:buSzPts val="1100"/>
-              <a:buFont typeface="Arial"/>
-              <a:buNone/>
-            </a:pPr>
-            <a:r>
-              <a:rPr lang="zh-CN"/>
-              <a:t>Executes business operations based on requests from the Controller layer.</a:t>
-            </a:r>
-            <a:endParaRPr/>
-          </a:p>
-          <a:p>
-            <a:pPr marL="0" lvl="0" indent="0" algn="l" rtl="0">
-              <a:spcBef>
-                <a:spcPts val="0"/>
-              </a:spcBef>
-              <a:spcAft>
-                <a:spcPts val="0"/>
-              </a:spcAft>
-              <a:buClr>
-                <a:schemeClr val="dk1"/>
-              </a:buClr>
-              <a:buSzPts val="1100"/>
-              <a:buFont typeface="Arial"/>
-              <a:buNone/>
-            </a:pPr>
-            <a:r>
-              <a:rPr lang="zh-CN"/>
-              <a:t>May interact with the DAO layer for data access.</a:t>
-            </a:r>
-            <a:endParaRPr/>
-          </a:p>
-          <a:p>
-            <a:pPr marL="0" lvl="0" indent="0" algn="l" rtl="0">
-              <a:spcBef>
-                <a:spcPts val="0"/>
-              </a:spcBef>
-              <a:spcAft>
-                <a:spcPts val="0"/>
-              </a:spcAft>
-              <a:buClr>
-                <a:schemeClr val="dk1"/>
-              </a:buClr>
-              <a:buSzPts val="1100"/>
-              <a:buFont typeface="Arial"/>
-              <a:buNone/>
-            </a:pPr>
-            <a:r>
-              <a:rPr lang="zh-CN"/>
-              <a:t>Data Access Layer (DAO):</a:t>
-            </a:r>
-            <a:endParaRPr/>
-          </a:p>
-          <a:p>
-            <a:pPr marL="0" lvl="0" indent="0" algn="l" rtl="0">
-              <a:spcBef>
-                <a:spcPts val="0"/>
-              </a:spcBef>
-              <a:spcAft>
-                <a:spcPts val="0"/>
-              </a:spcAft>
-              <a:buClr>
-                <a:schemeClr val="dk1"/>
-              </a:buClr>
-              <a:buSzPts val="1100"/>
-              <a:buFont typeface="Arial"/>
-              <a:buNone/>
-            </a:pPr>
-            <a:endParaRPr/>
-          </a:p>
-          <a:p>
-            <a:pPr marL="0" lvl="0" indent="0" algn="l" rtl="0">
-              <a:spcBef>
-                <a:spcPts val="0"/>
-              </a:spcBef>
-              <a:spcAft>
-                <a:spcPts val="0"/>
-              </a:spcAft>
-              <a:buClr>
-                <a:schemeClr val="dk1"/>
-              </a:buClr>
-              <a:buSzPts val="1100"/>
-              <a:buFont typeface="Arial"/>
-              <a:buNone/>
-            </a:pPr>
-            <a:r>
-              <a:rPr lang="zh-CN"/>
-              <a:t>Purpose:</a:t>
-            </a:r>
-            <a:endParaRPr/>
-          </a:p>
-          <a:p>
-            <a:pPr marL="0" lvl="0" indent="0" algn="l" rtl="0">
-              <a:spcBef>
-                <a:spcPts val="0"/>
-              </a:spcBef>
-              <a:spcAft>
-                <a:spcPts val="0"/>
-              </a:spcAft>
-              <a:buClr>
-                <a:schemeClr val="dk1"/>
-              </a:buClr>
-              <a:buSzPts val="1100"/>
-              <a:buFont typeface="Arial"/>
-              <a:buNone/>
-            </a:pPr>
-            <a:r>
-              <a:rPr lang="zh-CN"/>
-              <a:t>Manages interactions with the database.</a:t>
-            </a:r>
-            <a:endParaRPr/>
-          </a:p>
-          <a:p>
-            <a:pPr marL="0" lvl="0" indent="0" algn="l" rtl="0">
-              <a:spcBef>
-                <a:spcPts val="0"/>
-              </a:spcBef>
-              <a:spcAft>
-                <a:spcPts val="0"/>
-              </a:spcAft>
-              <a:buClr>
-                <a:schemeClr val="dk1"/>
-              </a:buClr>
-              <a:buSzPts val="1100"/>
-              <a:buFont typeface="Arial"/>
-              <a:buNone/>
-            </a:pPr>
-            <a:r>
-              <a:rPr lang="zh-CN"/>
-              <a:t>Provides an abstraction for database operations.</a:t>
-            </a:r>
-            <a:endParaRPr/>
-          </a:p>
-          <a:p>
-            <a:pPr marL="0" lvl="0" indent="0" algn="l" rtl="0">
-              <a:spcBef>
-                <a:spcPts val="0"/>
-              </a:spcBef>
-              <a:spcAft>
-                <a:spcPts val="0"/>
-              </a:spcAft>
-              <a:buClr>
-                <a:schemeClr val="dk1"/>
-              </a:buClr>
-              <a:buSzPts val="1100"/>
-              <a:buFont typeface="Arial"/>
-              <a:buNone/>
-            </a:pPr>
-            <a:r>
-              <a:rPr lang="zh-CN"/>
-              <a:t>Supports transaction management for data integrity.</a:t>
-            </a:r>
-            <a:endParaRPr/>
-          </a:p>
-          <a:p>
-            <a:pPr marL="0" lvl="0" indent="0" algn="l" rtl="0">
-              <a:spcBef>
-                <a:spcPts val="0"/>
-              </a:spcBef>
-              <a:spcAft>
-                <a:spcPts val="0"/>
-              </a:spcAft>
-              <a:buNone/>
-            </a:pPr>
-            <a:endParaRPr/>
+            <a:endParaRPr dirty="0"/>
           </a:p>
         </p:txBody>
       </p:sp>
@@ -2411,267 +2028,6 @@
           <a:lstStyle/>
           <a:p>
             <a:pPr marL="0" lvl="0" indent="0" algn="l" rtl="0">
-              <a:lnSpc>
-                <a:spcPct val="115000"/>
-              </a:lnSpc>
-              <a:spcBef>
-                <a:spcPts val="1500"/>
-              </a:spcBef>
-              <a:spcAft>
-                <a:spcPts val="0"/>
-              </a:spcAft>
-              <a:buClr>
-                <a:schemeClr val="dk1"/>
-              </a:buClr>
-              <a:buSzPts val="1100"/>
-              <a:buFont typeface="Arial"/>
-              <a:buNone/>
-            </a:pPr>
-            <a:r>
-              <a:rPr lang="zh-CN" sz="1400" dirty="0">
-                <a:solidFill>
-                  <a:srgbClr val="D1D5DB"/>
-                </a:solidFill>
-                <a:highlight>
-                  <a:srgbClr val="343541"/>
-                </a:highlight>
-              </a:rPr>
-              <a:t>Hello everyone, I'm glad to be here to introduce you to some of the key components and technologies that I was responsible for writing and involved in this project.</a:t>
-            </a:r>
-            <a:endParaRPr sz="1400" dirty="0">
-              <a:solidFill>
-                <a:srgbClr val="D1D5DB"/>
-              </a:solidFill>
-              <a:highlight>
-                <a:srgbClr val="343541"/>
-              </a:highlight>
-            </a:endParaRPr>
-          </a:p>
-          <a:p>
-            <a:pPr marL="0" lvl="0" indent="0" algn="l" rtl="0">
-              <a:lnSpc>
-                <a:spcPct val="115000"/>
-              </a:lnSpc>
-              <a:spcBef>
-                <a:spcPts val="1500"/>
-              </a:spcBef>
-              <a:spcAft>
-                <a:spcPts val="0"/>
-              </a:spcAft>
-              <a:buClr>
-                <a:schemeClr val="dk1"/>
-              </a:buClr>
-              <a:buSzPts val="1100"/>
-              <a:buFont typeface="Arial"/>
-              <a:buNone/>
-            </a:pPr>
-            <a:r>
-              <a:rPr lang="zh-CN" sz="1400" dirty="0">
-                <a:solidFill>
-                  <a:srgbClr val="D1D5DB"/>
-                </a:solidFill>
-                <a:highlight>
-                  <a:srgbClr val="343541"/>
-                </a:highlight>
-              </a:rPr>
-              <a:t>The main components include the Date Range Filter, ECharts Chart, and Navigation Buttons.</a:t>
-            </a:r>
-            <a:endParaRPr sz="1400" dirty="0">
-              <a:solidFill>
-                <a:srgbClr val="D1D5DB"/>
-              </a:solidFill>
-              <a:highlight>
-                <a:srgbClr val="343541"/>
-              </a:highlight>
-            </a:endParaRPr>
-          </a:p>
-          <a:p>
-            <a:pPr marL="0" lvl="0" indent="0" algn="l" rtl="0">
-              <a:lnSpc>
-                <a:spcPct val="115000"/>
-              </a:lnSpc>
-              <a:spcBef>
-                <a:spcPts val="1500"/>
-              </a:spcBef>
-              <a:spcAft>
-                <a:spcPts val="0"/>
-              </a:spcAft>
-              <a:buClr>
-                <a:schemeClr val="dk1"/>
-              </a:buClr>
-              <a:buSzPts val="1100"/>
-              <a:buFont typeface="Arial"/>
-              <a:buNone/>
-            </a:pPr>
-            <a:r>
-              <a:rPr lang="zh-CN" sz="1800" b="1" dirty="0">
-                <a:solidFill>
-                  <a:srgbClr val="FFFFFF"/>
-                </a:solidFill>
-                <a:highlight>
-                  <a:srgbClr val="343541"/>
-                </a:highlight>
-              </a:rPr>
-              <a:t>Date Range Filter:</a:t>
-            </a:r>
-            <a:r>
-              <a:rPr lang="zh-CN" sz="1400" dirty="0">
-                <a:solidFill>
-                  <a:srgbClr val="D1D5DB"/>
-                </a:solidFill>
-                <a:highlight>
-                  <a:srgbClr val="343541"/>
-                </a:highlight>
-              </a:rPr>
-              <a:t> This component allows users to select a one-week timeframe for in-depth analysis.</a:t>
-            </a:r>
-            <a:endParaRPr sz="1400" dirty="0">
-              <a:solidFill>
-                <a:srgbClr val="D1D5DB"/>
-              </a:solidFill>
-              <a:highlight>
-                <a:srgbClr val="343541"/>
-              </a:highlight>
-            </a:endParaRPr>
-          </a:p>
-          <a:p>
-            <a:pPr marL="0" lvl="0" indent="0" algn="l" rtl="0">
-              <a:lnSpc>
-                <a:spcPct val="115000"/>
-              </a:lnSpc>
-              <a:spcBef>
-                <a:spcPts val="1500"/>
-              </a:spcBef>
-              <a:spcAft>
-                <a:spcPts val="0"/>
-              </a:spcAft>
-              <a:buClr>
-                <a:schemeClr val="dk1"/>
-              </a:buClr>
-              <a:buSzPts val="1100"/>
-              <a:buFont typeface="Arial"/>
-              <a:buNone/>
-            </a:pPr>
-            <a:r>
-              <a:rPr lang="zh-CN" sz="1800" b="1" dirty="0">
-                <a:solidFill>
-                  <a:srgbClr val="FFFFFF"/>
-                </a:solidFill>
-                <a:highlight>
-                  <a:srgbClr val="343541"/>
-                </a:highlight>
-              </a:rPr>
-              <a:t>ECharts Chart:</a:t>
-            </a:r>
-            <a:r>
-              <a:rPr lang="zh-CN" sz="1400" dirty="0">
-                <a:solidFill>
-                  <a:srgbClr val="D1D5DB"/>
-                </a:solidFill>
-                <a:highlight>
-                  <a:srgbClr val="343541"/>
-                </a:highlight>
-              </a:rPr>
-              <a:t> I use ECharts to display the line charts for systolic pressure, diastolic pressure, and heart beats using in the frontend. It provides a real-time representation of blood pressure over the selected timeframe.</a:t>
-            </a:r>
-            <a:endParaRPr sz="1400" dirty="0">
-              <a:solidFill>
-                <a:srgbClr val="D1D5DB"/>
-              </a:solidFill>
-              <a:highlight>
-                <a:srgbClr val="343541"/>
-              </a:highlight>
-            </a:endParaRPr>
-          </a:p>
-          <a:p>
-            <a:pPr marL="0" lvl="0" indent="0" algn="l" rtl="0">
-              <a:lnSpc>
-                <a:spcPct val="115000"/>
-              </a:lnSpc>
-              <a:spcBef>
-                <a:spcPts val="1500"/>
-              </a:spcBef>
-              <a:spcAft>
-                <a:spcPts val="0"/>
-              </a:spcAft>
-              <a:buClr>
-                <a:schemeClr val="dk1"/>
-              </a:buClr>
-              <a:buSzPts val="1100"/>
-              <a:buFont typeface="Arial"/>
-              <a:buNone/>
-            </a:pPr>
-            <a:r>
-              <a:rPr lang="zh-CN" sz="1800" b="1" dirty="0">
-                <a:solidFill>
-                  <a:srgbClr val="FFFFFF"/>
-                </a:solidFill>
-                <a:highlight>
-                  <a:srgbClr val="343541"/>
-                </a:highlight>
-              </a:rPr>
-              <a:t>Navigation Buttons:</a:t>
-            </a:r>
-            <a:r>
-              <a:rPr lang="zh-CN" sz="1400" dirty="0">
-                <a:solidFill>
-                  <a:srgbClr val="D1D5DB"/>
-                </a:solidFill>
-                <a:highlight>
-                  <a:srgbClr val="343541"/>
-                </a:highlight>
-              </a:rPr>
-              <a:t> Users can seamlessly switch between different blood pressure metrics using navigation buttons, enhancing the user experience and enabling comprehensive health tracking.</a:t>
-            </a:r>
-            <a:endParaRPr sz="1400" dirty="0">
-              <a:solidFill>
-                <a:srgbClr val="D1D5DB"/>
-              </a:solidFill>
-              <a:highlight>
-                <a:srgbClr val="343541"/>
-              </a:highlight>
-            </a:endParaRPr>
-          </a:p>
-          <a:p>
-            <a:pPr marL="0" lvl="0" indent="0" algn="l" rtl="0">
-              <a:lnSpc>
-                <a:spcPct val="115000"/>
-              </a:lnSpc>
-              <a:spcBef>
-                <a:spcPts val="1500"/>
-              </a:spcBef>
-              <a:spcAft>
-                <a:spcPts val="0"/>
-              </a:spcAft>
-              <a:buClr>
-                <a:schemeClr val="dk1"/>
-              </a:buClr>
-              <a:buSzPts val="1100"/>
-              <a:buFont typeface="Arial"/>
-              <a:buNone/>
-            </a:pPr>
-            <a:r>
-              <a:rPr lang="zh-CN" sz="1400" dirty="0">
-                <a:solidFill>
-                  <a:srgbClr val="D1D5DB"/>
-                </a:solidFill>
-                <a:highlight>
-                  <a:srgbClr val="343541"/>
-                </a:highlight>
-              </a:rPr>
-              <a:t>On the technology front, we've utilized Vue.js as our frontend framework, Element UI for customizable UI components, and ECharts for dynamic data visualization.</a:t>
-            </a:r>
-            <a:endParaRPr sz="1400" dirty="0">
-              <a:solidFill>
-                <a:srgbClr val="D1D5DB"/>
-              </a:solidFill>
-              <a:highlight>
-                <a:srgbClr val="343541"/>
-              </a:highlight>
-            </a:endParaRPr>
-          </a:p>
-          <a:p>
-            <a:pPr marL="0" lvl="0" indent="0" algn="l" rtl="0">
               <a:spcBef>
                 <a:spcPts val="1500"/>
               </a:spcBef>
@@ -2784,19 +2140,7 @@
               </a:spcAft>
               <a:buNone/>
             </a:pPr>
-            <a:r>
-              <a:rPr lang="zh-CN" sz="1200">
-                <a:solidFill>
-                  <a:srgbClr val="374151"/>
-                </a:solidFill>
-                <a:latin typeface="Roboto"/>
-                <a:ea typeface="Roboto"/>
-                <a:cs typeface="Roboto"/>
-                <a:sym typeface="Roboto"/>
-              </a:rPr>
-              <a:t>pumb and relax delivering oxygen and nutrients  blood flow</a:t>
-            </a:r>
-            <a:endParaRPr/>
+            <a:endParaRPr dirty="0"/>
           </a:p>
         </p:txBody>
       </p:sp>
@@ -2900,23 +2244,7 @@
               </a:spcAft>
               <a:buNone/>
             </a:pPr>
-            <a:r>
-              <a:rPr lang="zh-CN"/>
-              <a:t>We use some packages to develop our serve-side configuration. Our serve-side is based on SpringBoot. We use SpringBoot JDBC and SpringBoot Data JPA to implement the CRUD operations in our database. Use MySQL Connoector to connect our database. And we use SpringBoot Web to implement some HTTP request. Like use GetMaping to send data we need to frontend. And </a:t>
-            </a:r>
-            <a:r>
-              <a:rPr lang="zh-CN" sz="1200">
-                <a:solidFill>
-                  <a:srgbClr val="374151"/>
-                </a:solidFill>
-                <a:latin typeface="Roboto"/>
-                <a:ea typeface="Roboto"/>
-                <a:cs typeface="Roboto"/>
-                <a:sym typeface="Roboto"/>
-              </a:rPr>
-              <a:t>Using Lombok to annotate entity classes and map them to corresponding tables in the database.</a:t>
-            </a:r>
-            <a:endParaRPr/>
+            <a:endParaRPr dirty="0"/>
           </a:p>
         </p:txBody>
       </p:sp>
